--- a/최종 산출물/5조_SRS_Final.pptx
+++ b/최종 산출물/5조_SRS_Final.pptx
@@ -13697,23 +13697,15 @@
           <a:p>
             <a:r>
               <a:rPr lang="ko-KR" altLang="en-US" kern="100" dirty="0"/>
-              <a:t>시스템은 아울렛 방문자가 구매여부 </a:t>
-            </a:r>
-            <a:r>
-              <a:rPr lang="ko-KR" altLang="en-US" kern="100" dirty="0" err="1"/>
-              <a:t>체크란에</a:t>
+              <a:t>시스템은 아울렛 방문자가 </a:t>
+            </a:r>
+            <a:r>
+              <a:rPr lang="ko-KR" altLang="en-US" kern="100"/>
+              <a:t>방문한 브랜드들과 그들의 </a:t>
             </a:r>
             <a:r>
               <a:rPr lang="ko-KR" altLang="en-US" kern="100" dirty="0"/>
-              <a:t> </a:t>
-            </a:r>
-            <a:r>
-              <a:rPr lang="en-US" altLang="ko-KR" kern="100" dirty="0"/>
-              <a:t>‘yes’</a:t>
-            </a:r>
-            <a:r>
-              <a:rPr lang="ko-KR" altLang="en-US" kern="100" dirty="0"/>
-              <a:t>로 표시한 브랜드들과 그들의 점수 입력란을 </a:t>
+              <a:t>점수 입력란을 </a:t>
             </a:r>
             <a:r>
               <a:rPr lang="ko-KR" altLang="en-US" kern="100" dirty="0" err="1"/>
